--- a/Taller Final/Taller Final Aeropuerto, Arnold Edward.pptx
+++ b/Taller Final/Taller Final Aeropuerto, Arnold Edward.pptx
@@ -13,9 +13,8 @@
     <p:sldId id="261" r:id="rId7"/>
     <p:sldId id="262" r:id="rId8"/>
     <p:sldId id="263" r:id="rId9"/>
-    <p:sldId id="264" r:id="rId10"/>
-    <p:sldId id="265" r:id="rId11"/>
-    <p:sldId id="266" r:id="rId12"/>
+    <p:sldId id="265" r:id="rId10"/>
+    <p:sldId id="266" r:id="rId11"/>
   </p:sldIdLst>
   <p:sldSz cx="12192000" cy="6858000"/>
   <p:notesSz cx="6858000" cy="9144000"/>
@@ -6001,13 +6000,13 @@
   <p:clrMapOvr>
     <a:masterClrMapping/>
   </p:clrMapOvr>
-  <mc:AlternateContent xmlns:mc="http://schemas.openxmlformats.org/markup-compatibility/2006">
-    <mc:Choice xmlns:p14="http://schemas.microsoft.com/office/powerpoint/2010/main" Requires="p14">
+  <mc:AlternateContent xmlns:mc="http://schemas.openxmlformats.org/markup-compatibility/2006" xmlns:p14="http://schemas.microsoft.com/office/powerpoint/2010/main">
+    <mc:Choice Requires="p14">
       <p:transition spd="slow" p14:dur="1500">
         <p:split orient="vert"/>
       </p:transition>
     </mc:Choice>
-    <mc:Fallback>
+    <mc:Fallback xmlns="">
       <p:transition spd="slow">
         <p:split orient="vert"/>
       </p:transition>
@@ -6033,107 +6032,92 @@
           <a:chExt cx="0" cy="0"/>
         </a:xfrm>
       </p:grpSpPr>
-      <p:sp>
-        <p:nvSpPr>
-          <p:cNvPr id="2" name="Título 1">
+      <p:grpSp>
+        <p:nvGrpSpPr>
+          <p:cNvPr id="2" name="Grupo 1">
             <a:extLst>
               <a:ext uri="{FF2B5EF4-FFF2-40B4-BE49-F238E27FC236}">
-                <a16:creationId xmlns:a16="http://schemas.microsoft.com/office/drawing/2014/main" id="{7A31A50B-0D73-460D-99CE-ABBEC9F80D09}"/>
+                <a16:creationId xmlns:a16="http://schemas.microsoft.com/office/drawing/2014/main" id="{27362A06-E325-45A2-9FE8-0F7E7E331EE7}"/>
               </a:ext>
             </a:extLst>
           </p:cNvPr>
-          <p:cNvSpPr>
-            <a:spLocks noGrp="1"/>
-          </p:cNvSpPr>
-          <p:nvPr>
-            <p:ph type="title"/>
-          </p:nvPr>
-        </p:nvSpPr>
-        <p:spPr/>
-        <p:txBody>
-          <a:bodyPr/>
-          <a:lstStyle/>
-          <a:p>
-            <a:r>
-              <a:rPr lang="es-ES" dirty="0"/>
-              <a:t>Arboles</a:t>
-            </a:r>
-            <a:endParaRPr lang="es-CO" dirty="0"/>
-          </a:p>
-        </p:txBody>
-      </p:sp>
-      <p:sp>
-        <p:nvSpPr>
-          <p:cNvPr id="3" name="CuadroTexto 2">
+          <p:cNvGrpSpPr/>
+          <p:nvPr/>
+        </p:nvGrpSpPr>
+        <p:grpSpPr>
+          <a:xfrm>
+            <a:off x="946278" y="397063"/>
+            <a:ext cx="4993628" cy="5985724"/>
+            <a:chOff x="922832" y="587014"/>
+            <a:chExt cx="4993628" cy="5985724"/>
+          </a:xfrm>
+        </p:grpSpPr>
+        <p:pic>
+          <p:nvPicPr>
+            <p:cNvPr id="3" name="Imagen 2">
+              <a:extLst>
+                <a:ext uri="{FF2B5EF4-FFF2-40B4-BE49-F238E27FC236}">
+                  <a16:creationId xmlns:a16="http://schemas.microsoft.com/office/drawing/2014/main" id="{81A6D0B3-E2D4-4494-8705-C07EE7E0F96E}"/>
+                </a:ext>
+              </a:extLst>
+            </p:cNvPr>
+            <p:cNvPicPr>
+              <a:picLocks noChangeAspect="1"/>
+            </p:cNvPicPr>
+            <p:nvPr/>
+          </p:nvPicPr>
+          <p:blipFill>
+            <a:blip r:embed="rId2"/>
+            <a:stretch>
+              <a:fillRect/>
+            </a:stretch>
+          </p:blipFill>
+          <p:spPr>
+            <a:xfrm>
+              <a:off x="922832" y="587014"/>
+              <a:ext cx="4993628" cy="3872780"/>
+            </a:xfrm>
+            <a:prstGeom prst="rect">
+              <a:avLst/>
+            </a:prstGeom>
+          </p:spPr>
+        </p:pic>
+        <p:pic>
+          <p:nvPicPr>
+            <p:cNvPr id="5" name="Imagen 4">
+              <a:extLst>
+                <a:ext uri="{FF2B5EF4-FFF2-40B4-BE49-F238E27FC236}">
+                  <a16:creationId xmlns:a16="http://schemas.microsoft.com/office/drawing/2014/main" id="{A1EB1850-4092-40FA-959D-46AD01DF1CE7}"/>
+                </a:ext>
+              </a:extLst>
+            </p:cNvPr>
+            <p:cNvPicPr>
+              <a:picLocks noChangeAspect="1"/>
+            </p:cNvPicPr>
+            <p:nvPr/>
+          </p:nvPicPr>
+          <p:blipFill rotWithShape="1">
+            <a:blip r:embed="rId3"/>
+            <a:srcRect b="50491"/>
+            <a:stretch/>
+          </p:blipFill>
+          <p:spPr>
+            <a:xfrm>
+              <a:off x="922832" y="4459794"/>
+              <a:ext cx="3362778" cy="2112944"/>
+            </a:xfrm>
+            <a:prstGeom prst="rect">
+              <a:avLst/>
+            </a:prstGeom>
+          </p:spPr>
+        </p:pic>
+      </p:grpSp>
+      <p:sp>
+        <p:nvSpPr>
+          <p:cNvPr id="4" name="Cerrar llave 3">
             <a:extLst>
               <a:ext uri="{FF2B5EF4-FFF2-40B4-BE49-F238E27FC236}">
-                <a16:creationId xmlns:a16="http://schemas.microsoft.com/office/drawing/2014/main" id="{7C39FD63-970B-4784-B8EA-A18AC9CC598C}"/>
-              </a:ext>
-            </a:extLst>
-          </p:cNvPr>
-          <p:cNvSpPr txBox="1"/>
-          <p:nvPr/>
-        </p:nvSpPr>
-        <p:spPr>
-          <a:xfrm>
-            <a:off x="646111" y="1304365"/>
-            <a:ext cx="5552983" cy="923330"/>
-          </a:xfrm>
-          <a:prstGeom prst="rect">
-            <a:avLst/>
-          </a:prstGeom>
-          <a:noFill/>
-        </p:spPr>
-        <p:txBody>
-          <a:bodyPr wrap="square" rtlCol="0">
-            <a:spAutoFit/>
-          </a:bodyPr>
-          <a:lstStyle/>
-          <a:p>
-            <a:r>
-              <a:rPr lang="es-ES"/>
-              <a:t>Representa la estructura básica del aeropuerto, siguiendo un orden teniendo en cuenta el nivel al que pertenezca</a:t>
-            </a:r>
-            <a:endParaRPr lang="es-CO" dirty="0"/>
-          </a:p>
-        </p:txBody>
-      </p:sp>
-      <p:pic>
-        <p:nvPicPr>
-          <p:cNvPr id="5" name="Imagen 4">
-            <a:extLst>
-              <a:ext uri="{FF2B5EF4-FFF2-40B4-BE49-F238E27FC236}">
-                <a16:creationId xmlns:a16="http://schemas.microsoft.com/office/drawing/2014/main" id="{30803AD1-86FC-4BFE-BE16-373DC53EC514}"/>
-              </a:ext>
-            </a:extLst>
-          </p:cNvPr>
-          <p:cNvPicPr>
-            <a:picLocks noChangeAspect="1"/>
-          </p:cNvPicPr>
-          <p:nvPr/>
-        </p:nvPicPr>
-        <p:blipFill>
-          <a:blip r:embed="rId2"/>
-          <a:stretch>
-            <a:fillRect/>
-          </a:stretch>
-        </p:blipFill>
-        <p:spPr>
-          <a:xfrm>
-            <a:off x="1345335" y="2423972"/>
-            <a:ext cx="3019846" cy="2010056"/>
-          </a:xfrm>
-          <a:prstGeom prst="rect">
-            <a:avLst/>
-          </a:prstGeom>
-        </p:spPr>
-      </p:pic>
-      <p:sp>
-        <p:nvSpPr>
-          <p:cNvPr id="6" name="Cerrar llave 5">
-            <a:extLst>
-              <a:ext uri="{FF2B5EF4-FFF2-40B4-BE49-F238E27FC236}">
-                <a16:creationId xmlns:a16="http://schemas.microsoft.com/office/drawing/2014/main" id="{E6A08237-0AD5-4FA9-B978-62FF3C4BACC1}"/>
+                <a16:creationId xmlns:a16="http://schemas.microsoft.com/office/drawing/2014/main" id="{4EC6767C-80FD-4B98-8413-A2BE5DC792DB}"/>
               </a:ext>
             </a:extLst>
           </p:cNvPr>
@@ -6142,12 +6126,17 @@
         </p:nvSpPr>
         <p:spPr>
           <a:xfrm>
-            <a:off x="4477871" y="2541494"/>
-            <a:ext cx="45719" cy="403412"/>
+            <a:off x="6002215" y="1469291"/>
+            <a:ext cx="328247" cy="2800551"/>
           </a:xfrm>
           <a:prstGeom prst="rightBrace">
             <a:avLst/>
           </a:prstGeom>
+          <a:ln w="12700">
+            <a:solidFill>
+              <a:schemeClr val="tx1"/>
+            </a:solidFill>
+          </a:ln>
         </p:spPr>
         <p:style>
           <a:lnRef idx="1">
@@ -6174,10 +6163,10 @@
       </p:sp>
       <p:sp>
         <p:nvSpPr>
-          <p:cNvPr id="7" name="CuadroTexto 6">
+          <p:cNvPr id="6" name="CuadroTexto 5">
             <a:extLst>
               <a:ext uri="{FF2B5EF4-FFF2-40B4-BE49-F238E27FC236}">
-                <a16:creationId xmlns:a16="http://schemas.microsoft.com/office/drawing/2014/main" id="{FFA25002-9991-4FB9-9EC6-676813B6273B}"/>
+                <a16:creationId xmlns:a16="http://schemas.microsoft.com/office/drawing/2014/main" id="{5D53920F-AA44-40BB-BB2F-9E87BB73EFDF}"/>
               </a:ext>
             </a:extLst>
           </p:cNvPr>
@@ -6186,8 +6175,8 @@
         </p:nvSpPr>
         <p:spPr>
           <a:xfrm>
-            <a:off x="4636281" y="2500770"/>
-            <a:ext cx="2803536" cy="1754326"/>
+            <a:off x="6525847" y="2130902"/>
+            <a:ext cx="5057795" cy="1477328"/>
           </a:xfrm>
           <a:prstGeom prst="rect">
             <a:avLst/>
@@ -6195,121 +6184,155 @@
           <a:noFill/>
         </p:spPr>
         <p:txBody>
-          <a:bodyPr wrap="square" rtlCol="0">
+          <a:bodyPr wrap="none" rtlCol="0">
             <a:spAutoFit/>
           </a:bodyPr>
           <a:lstStyle/>
           <a:p>
             <a:r>
-              <a:rPr lang="es-ES" dirty="0"/>
-              <a:t>La clase nodo Árbol representa cada nodo tiene como máximo dos hijos: izquierdo y derecho (árbol binario).</a:t>
+              <a:rPr lang="es-CO" dirty="0"/>
+              <a:t>Insertar recibe el valor y llama a </a:t>
+            </a:r>
+            <a:r>
+              <a:rPr lang="es-CO" dirty="0" err="1"/>
+              <a:t>insertarRec</a:t>
             </a:r>
             <a:endParaRPr lang="es-CO" dirty="0"/>
           </a:p>
-        </p:txBody>
-      </p:sp>
-    </p:spTree>
-    <p:extLst>
-      <p:ext uri="{BB962C8B-B14F-4D97-AF65-F5344CB8AC3E}">
-        <p14:creationId xmlns:p14="http://schemas.microsoft.com/office/powerpoint/2010/main" val="2437266423"/>
-      </p:ext>
-    </p:extLst>
-  </p:cSld>
-  <p:clrMapOvr>
-    <a:masterClrMapping/>
-  </p:clrMapOvr>
-  <mc:AlternateContent xmlns:mc="http://schemas.openxmlformats.org/markup-compatibility/2006">
-    <mc:Choice xmlns:p14="http://schemas.microsoft.com/office/powerpoint/2010/main" Requires="p14">
-      <p:transition spd="slow" p14:dur="1250">
-        <p14:flip dir="r"/>
-      </p:transition>
-    </mc:Choice>
-    <mc:Fallback>
-      <p:transition spd="slow">
-        <p:fade/>
-      </p:transition>
-    </mc:Fallback>
-  </mc:AlternateContent>
-</p:sld>
-</file>
-
-<file path=ppt/slides/slide11.xml><?xml version="1.0" encoding="utf-8"?>
-<p:sld xmlns:a="http://schemas.openxmlformats.org/drawingml/2006/main" xmlns:r="http://schemas.openxmlformats.org/officeDocument/2006/relationships" xmlns:p="http://schemas.openxmlformats.org/presentationml/2006/main">
-  <p:cSld>
-    <p:spTree>
-      <p:nvGrpSpPr>
-        <p:cNvPr id="1" name=""/>
-        <p:cNvGrpSpPr/>
-        <p:nvPr/>
-      </p:nvGrpSpPr>
-      <p:grpSpPr>
-        <a:xfrm>
-          <a:off x="0" y="0"/>
-          <a:ext cx="0" cy="0"/>
-          <a:chOff x="0" y="0"/>
-          <a:chExt cx="0" cy="0"/>
-        </a:xfrm>
-      </p:grpSpPr>
-      <p:pic>
-        <p:nvPicPr>
-          <p:cNvPr id="3" name="Imagen 2">
+          <a:p>
+            <a:r>
+              <a:rPr lang="es-CO" dirty="0"/>
+              <a:t>que dependiendo de la raíz crea un nodo </a:t>
+            </a:r>
+          </a:p>
+          <a:p>
+            <a:r>
+              <a:rPr lang="es-CO" dirty="0"/>
+              <a:t>raíz o nodo hijo (si el valor es menor lo </a:t>
+            </a:r>
+          </a:p>
+          <a:p>
+            <a:r>
+              <a:rPr lang="es-CO" dirty="0"/>
+              <a:t>Inserta a derecha y si es mayor a la </a:t>
+            </a:r>
+          </a:p>
+          <a:p>
+            <a:r>
+              <a:rPr lang="es-CO" dirty="0"/>
+              <a:t>izquierda)</a:t>
+            </a:r>
+          </a:p>
+        </p:txBody>
+      </p:sp>
+      <p:sp>
+        <p:nvSpPr>
+          <p:cNvPr id="7" name="Cerrar llave 6">
             <a:extLst>
               <a:ext uri="{FF2B5EF4-FFF2-40B4-BE49-F238E27FC236}">
-                <a16:creationId xmlns:a16="http://schemas.microsoft.com/office/drawing/2014/main" id="{81A6D0B3-E2D4-4494-8705-C07EE7E0F96E}"/>
+                <a16:creationId xmlns:a16="http://schemas.microsoft.com/office/drawing/2014/main" id="{89183656-1884-4C32-9E19-2FF82BB9F79D}"/>
               </a:ext>
             </a:extLst>
           </p:cNvPr>
-          <p:cNvPicPr>
-            <a:picLocks noChangeAspect="1"/>
-          </p:cNvPicPr>
+          <p:cNvSpPr/>
           <p:nvPr/>
-        </p:nvPicPr>
-        <p:blipFill>
-          <a:blip r:embed="rId2"/>
-          <a:stretch>
-            <a:fillRect/>
-          </a:stretch>
-        </p:blipFill>
-        <p:spPr>
-          <a:xfrm>
-            <a:off x="657109" y="1985968"/>
-            <a:ext cx="4993628" cy="3872780"/>
+        </p:nvSpPr>
+        <p:spPr>
+          <a:xfrm>
+            <a:off x="4509476" y="4269841"/>
+            <a:ext cx="328247" cy="2112943"/>
+          </a:xfrm>
+          <a:prstGeom prst="rightBrace">
+            <a:avLst/>
+          </a:prstGeom>
+          <a:ln w="12700">
+            <a:solidFill>
+              <a:schemeClr val="tx1"/>
+            </a:solidFill>
+          </a:ln>
+        </p:spPr>
+        <p:style>
+          <a:lnRef idx="1">
+            <a:schemeClr val="accent1"/>
+          </a:lnRef>
+          <a:fillRef idx="0">
+            <a:schemeClr val="accent1"/>
+          </a:fillRef>
+          <a:effectRef idx="0">
+            <a:schemeClr val="accent1"/>
+          </a:effectRef>
+          <a:fontRef idx="minor">
+            <a:schemeClr val="tx1"/>
+          </a:fontRef>
+        </p:style>
+        <p:txBody>
+          <a:bodyPr rtlCol="0" anchor="ctr"/>
+          <a:lstStyle/>
+          <a:p>
+            <a:pPr algn="ctr"/>
+            <a:endParaRPr lang="es-CO"/>
+          </a:p>
+        </p:txBody>
+      </p:sp>
+      <p:sp>
+        <p:nvSpPr>
+          <p:cNvPr id="8" name="CuadroTexto 7">
+            <a:extLst>
+              <a:ext uri="{FF2B5EF4-FFF2-40B4-BE49-F238E27FC236}">
+                <a16:creationId xmlns:a16="http://schemas.microsoft.com/office/drawing/2014/main" id="{19503D9B-A92A-434C-8AC3-FA28E26551F1}"/>
+              </a:ext>
+            </a:extLst>
+          </p:cNvPr>
+          <p:cNvSpPr txBox="1"/>
+          <p:nvPr/>
+        </p:nvSpPr>
+        <p:spPr>
+          <a:xfrm>
+            <a:off x="4935959" y="4868985"/>
+            <a:ext cx="5506636" cy="923330"/>
           </a:xfrm>
           <a:prstGeom prst="rect">
             <a:avLst/>
           </a:prstGeom>
-        </p:spPr>
-      </p:pic>
-      <p:pic>
-        <p:nvPicPr>
-          <p:cNvPr id="5" name="Imagen 4">
-            <a:extLst>
-              <a:ext uri="{FF2B5EF4-FFF2-40B4-BE49-F238E27FC236}">
-                <a16:creationId xmlns:a16="http://schemas.microsoft.com/office/drawing/2014/main" id="{A1EB1850-4092-40FA-959D-46AD01DF1CE7}"/>
-              </a:ext>
-            </a:extLst>
-          </p:cNvPr>
-          <p:cNvPicPr>
-            <a:picLocks noChangeAspect="1"/>
-          </p:cNvPicPr>
-          <p:nvPr/>
-        </p:nvPicPr>
-        <p:blipFill>
-          <a:blip r:embed="rId3"/>
-          <a:stretch>
-            <a:fillRect/>
-          </a:stretch>
-        </p:blipFill>
-        <p:spPr>
-          <a:xfrm>
-            <a:off x="6985018" y="1788459"/>
-            <a:ext cx="3362778" cy="4267799"/>
-          </a:xfrm>
-          <a:prstGeom prst="rect">
-            <a:avLst/>
-          </a:prstGeom>
-        </p:spPr>
-      </p:pic>
+          <a:noFill/>
+        </p:spPr>
+        <p:txBody>
+          <a:bodyPr wrap="none" rtlCol="0">
+            <a:spAutoFit/>
+          </a:bodyPr>
+          <a:lstStyle/>
+          <a:p>
+            <a:r>
+              <a:rPr lang="es-CO" dirty="0" err="1"/>
+              <a:t>inOrden</a:t>
+            </a:r>
+            <a:r>
+              <a:rPr lang="es-CO" dirty="0"/>
+              <a:t> llama a </a:t>
+            </a:r>
+            <a:r>
+              <a:rPr lang="es-CO" dirty="0" err="1"/>
+              <a:t>inOrdenRec</a:t>
+            </a:r>
+            <a:r>
+              <a:rPr lang="es-CO" dirty="0"/>
+              <a:t> que recibe como </a:t>
+            </a:r>
+          </a:p>
+          <a:p>
+            <a:r>
+              <a:rPr lang="es-CO" dirty="0"/>
+              <a:t>argumento el nodo raíz y recorre sus nodos </a:t>
+            </a:r>
+          </a:p>
+          <a:p>
+            <a:r>
+              <a:rPr lang="es-CO" dirty="0"/>
+              <a:t>de izquierda a derecha</a:t>
+            </a:r>
+          </a:p>
+        </p:txBody>
+      </p:sp>
     </p:spTree>
     <p:extLst>
       <p:ext uri="{BB962C8B-B14F-4D97-AF65-F5344CB8AC3E}">
@@ -6320,13 +6343,13 @@
   <p:clrMapOvr>
     <a:masterClrMapping/>
   </p:clrMapOvr>
-  <mc:AlternateContent xmlns:mc="http://schemas.openxmlformats.org/markup-compatibility/2006">
-    <mc:Choice xmlns:p15="http://schemas.microsoft.com/office/powerpoint/2012/main" Requires="p15">
+  <mc:AlternateContent xmlns:mc="http://schemas.openxmlformats.org/markup-compatibility/2006" xmlns:p15="http://schemas.microsoft.com/office/powerpoint/2012/main">
+    <mc:Choice Requires="p15">
       <p:transition xmlns:p14="http://schemas.microsoft.com/office/powerpoint/2010/main" spd="slow" p14:dur="2000">
         <p15:prstTrans prst="crush"/>
       </p:transition>
     </mc:Choice>
-    <mc:Fallback>
+    <mc:Fallback xmlns="">
       <p:transition spd="slow">
         <p:fade/>
       </p:transition>
@@ -6465,40 +6488,13 @@
           <a:lstStyle/>
           <a:p>
             <a:r>
+              <a:rPr lang="es-ES" dirty="0" err="1"/>
+              <a:t>Arrays</a:t>
+            </a:r>
+            <a:r>
               <a:rPr lang="es-ES" dirty="0"/>
-              <a:t>Implementación Arrays </a:t>
-            </a:r>
-            <a:endParaRPr lang="es-CO" dirty="0"/>
-          </a:p>
-        </p:txBody>
-      </p:sp>
-      <p:sp>
-        <p:nvSpPr>
-          <p:cNvPr id="3" name="Marcador de contenido 2">
-            <a:extLst>
-              <a:ext uri="{FF2B5EF4-FFF2-40B4-BE49-F238E27FC236}">
-                <a16:creationId xmlns:a16="http://schemas.microsoft.com/office/drawing/2014/main" id="{6A56AF53-5A13-4B3B-874F-EEB871A8890D}"/>
-              </a:ext>
-            </a:extLst>
-          </p:cNvPr>
-          <p:cNvSpPr>
-            <a:spLocks noGrp="1"/>
-          </p:cNvSpPr>
-          <p:nvPr>
-            <p:ph idx="1"/>
-          </p:nvPr>
-        </p:nvSpPr>
-        <p:spPr/>
-        <p:txBody>
-          <a:bodyPr/>
-          <a:lstStyle/>
-          <a:p>
-            <a:r>
-              <a:rPr lang="es-ES" dirty="0"/>
-              <a:t>Se usan los arreglos para almacenar los distintos destinos disponibles </a:t>
-            </a:r>
-          </a:p>
-          <a:p>
+              <a:t> </a:t>
+            </a:r>
             <a:endParaRPr lang="es-CO" dirty="0"/>
           </a:p>
         </p:txBody>
@@ -6525,8 +6521,167 @@
         </p:blipFill>
         <p:spPr>
           <a:xfrm>
-            <a:off x="646110" y="2845092"/>
+            <a:off x="646110" y="2186621"/>
             <a:ext cx="10837677" cy="973871"/>
+          </a:xfrm>
+          <a:prstGeom prst="rect">
+            <a:avLst/>
+          </a:prstGeom>
+        </p:spPr>
+      </p:pic>
+      <p:sp>
+        <p:nvSpPr>
+          <p:cNvPr id="7" name="CuadroTexto 6">
+            <a:extLst>
+              <a:ext uri="{FF2B5EF4-FFF2-40B4-BE49-F238E27FC236}">
+                <a16:creationId xmlns:a16="http://schemas.microsoft.com/office/drawing/2014/main" id="{41CD91C8-2C6A-4596-9C8C-EF0FC6DDA428}"/>
+              </a:ext>
+            </a:extLst>
+          </p:cNvPr>
+          <p:cNvSpPr txBox="1"/>
+          <p:nvPr/>
+        </p:nvSpPr>
+        <p:spPr>
+          <a:xfrm>
+            <a:off x="646110" y="1325698"/>
+            <a:ext cx="9130936" cy="646331"/>
+          </a:xfrm>
+          <a:prstGeom prst="rect">
+            <a:avLst/>
+          </a:prstGeom>
+          <a:noFill/>
+        </p:spPr>
+        <p:txBody>
+          <a:bodyPr wrap="square" rtlCol="0">
+            <a:spAutoFit/>
+          </a:bodyPr>
+          <a:lstStyle/>
+          <a:p>
+            <a:r>
+              <a:rPr lang="es-CO" dirty="0"/>
+              <a:t>Se usaron </a:t>
+            </a:r>
+            <a:r>
+              <a:rPr lang="es-CO" dirty="0" err="1"/>
+              <a:t>arrays</a:t>
+            </a:r>
+            <a:r>
+              <a:rPr lang="es-CO" dirty="0"/>
+              <a:t> asociativos, almacenan los distintos destinos, dependiendo</a:t>
+            </a:r>
+          </a:p>
+          <a:p>
+            <a:r>
+              <a:rPr lang="es-CO" dirty="0"/>
+              <a:t>de la zona en que se encuentren</a:t>
+            </a:r>
+          </a:p>
+        </p:txBody>
+      </p:sp>
+      <p:sp>
+        <p:nvSpPr>
+          <p:cNvPr id="8" name="CuadroTexto 7">
+            <a:extLst>
+              <a:ext uri="{FF2B5EF4-FFF2-40B4-BE49-F238E27FC236}">
+                <a16:creationId xmlns:a16="http://schemas.microsoft.com/office/drawing/2014/main" id="{D5078125-437F-424D-9FC8-825B630954B2}"/>
+              </a:ext>
+            </a:extLst>
+          </p:cNvPr>
+          <p:cNvSpPr txBox="1"/>
+          <p:nvPr/>
+        </p:nvSpPr>
+        <p:spPr>
+          <a:xfrm>
+            <a:off x="2342048" y="3598985"/>
+            <a:ext cx="930063" cy="369332"/>
+          </a:xfrm>
+          <a:prstGeom prst="rect">
+            <a:avLst/>
+          </a:prstGeom>
+          <a:noFill/>
+        </p:spPr>
+        <p:txBody>
+          <a:bodyPr wrap="none" rtlCol="0">
+            <a:spAutoFit/>
+          </a:bodyPr>
+          <a:lstStyle/>
+          <a:p>
+            <a:r>
+              <a:rPr lang="es-CO" dirty="0"/>
+              <a:t>Salida:</a:t>
+            </a:r>
+          </a:p>
+        </p:txBody>
+      </p:sp>
+      <p:sp>
+        <p:nvSpPr>
+          <p:cNvPr id="9" name="AutoShape 2">
+            <a:extLst>
+              <a:ext uri="{FF2B5EF4-FFF2-40B4-BE49-F238E27FC236}">
+                <a16:creationId xmlns:a16="http://schemas.microsoft.com/office/drawing/2014/main" id="{C2947815-6B79-4EFD-A4EA-3A1E5E9ED0DC}"/>
+              </a:ext>
+            </a:extLst>
+          </p:cNvPr>
+          <p:cNvSpPr>
+            <a:spLocks noChangeAspect="1" noChangeArrowheads="1"/>
+          </p:cNvSpPr>
+          <p:nvPr/>
+        </p:nvSpPr>
+        <p:spPr bwMode="auto">
+          <a:xfrm>
+            <a:off x="5943600" y="3276600"/>
+            <a:ext cx="304800" cy="304800"/>
+          </a:xfrm>
+          <a:prstGeom prst="rect">
+            <a:avLst/>
+          </a:prstGeom>
+          <a:noFill/>
+          <a:extLst>
+            <a:ext uri="{909E8E84-426E-40DD-AFC4-6F175D3DCCD1}">
+              <a14:hiddenFill xmlns:a14="http://schemas.microsoft.com/office/drawing/2010/main">
+                <a:solidFill>
+                  <a:srgbClr val="FFFFFF"/>
+                </a:solidFill>
+              </a14:hiddenFill>
+            </a:ext>
+          </a:extLst>
+        </p:spPr>
+        <p:txBody>
+          <a:bodyPr vert="horz" wrap="square" lIns="91440" tIns="45720" rIns="91440" bIns="45720" numCol="1" anchor="t" anchorCtr="0" compatLnSpc="1">
+            <a:prstTxWarp prst="textNoShape">
+              <a:avLst/>
+            </a:prstTxWarp>
+          </a:bodyPr>
+          <a:lstStyle/>
+          <a:p>
+            <a:endParaRPr lang="es-CO"/>
+          </a:p>
+        </p:txBody>
+      </p:sp>
+      <p:pic>
+        <p:nvPicPr>
+          <p:cNvPr id="14" name="Imagen 13">
+            <a:extLst>
+              <a:ext uri="{FF2B5EF4-FFF2-40B4-BE49-F238E27FC236}">
+                <a16:creationId xmlns:a16="http://schemas.microsoft.com/office/drawing/2014/main" id="{4BC393DA-DEDD-4A13-91E3-568E3343AC05}"/>
+              </a:ext>
+            </a:extLst>
+          </p:cNvPr>
+          <p:cNvPicPr>
+            <a:picLocks noChangeAspect="1"/>
+          </p:cNvPicPr>
+          <p:nvPr/>
+        </p:nvPicPr>
+        <p:blipFill>
+          <a:blip r:embed="rId3"/>
+          <a:stretch>
+            <a:fillRect/>
+          </a:stretch>
+        </p:blipFill>
+        <p:spPr>
+          <a:xfrm>
+            <a:off x="3809878" y="3581400"/>
+            <a:ext cx="2962275" cy="2209800"/>
           </a:xfrm>
           <a:prstGeom prst="rect">
             <a:avLst/>
@@ -6686,7 +6841,7 @@
         </p:nvSpPr>
         <p:spPr>
           <a:xfrm>
-            <a:off x="376518" y="1452282"/>
+            <a:off x="838200" y="1293627"/>
             <a:ext cx="10515600" cy="646331"/>
           </a:xfrm>
           <a:prstGeom prst="rect">
@@ -6735,7 +6890,7 @@
         </p:blipFill>
         <p:spPr>
           <a:xfrm>
-            <a:off x="2205824" y="2239874"/>
+            <a:off x="2885763" y="2247689"/>
             <a:ext cx="5296639" cy="1676634"/>
           </a:xfrm>
           <a:prstGeom prst="rect">
@@ -6794,13 +6949,13 @@
   <p:clrMapOvr>
     <a:masterClrMapping/>
   </p:clrMapOvr>
-  <mc:AlternateContent xmlns:mc="http://schemas.openxmlformats.org/markup-compatibility/2006">
-    <mc:Choice xmlns:p159="http://schemas.microsoft.com/office/powerpoint/2015/09/main" Requires="p159">
+  <mc:AlternateContent xmlns:mc="http://schemas.openxmlformats.org/markup-compatibility/2006" xmlns:p159="http://schemas.microsoft.com/office/powerpoint/2015/09/main">
+    <mc:Choice Requires="p159">
       <p:transition xmlns:p14="http://schemas.microsoft.com/office/powerpoint/2010/main" spd="slow" p14:dur="2000">
         <p159:morph option="byObject"/>
       </p:transition>
     </mc:Choice>
-    <mc:Fallback>
+    <mc:Fallback xmlns="">
       <p:transition spd="slow">
         <p:fade/>
       </p:transition>
@@ -6946,7 +7101,7 @@
         </p:nvSpPr>
         <p:spPr>
           <a:xfrm>
-            <a:off x="838200" y="1506022"/>
+            <a:off x="838200" y="1322825"/>
             <a:ext cx="8913412" cy="923330"/>
           </a:xfrm>
           <a:prstGeom prst="rect">
@@ -7023,7 +7178,11 @@
           <a:prstGeom prst="rightBrace">
             <a:avLst/>
           </a:prstGeom>
-          <a:ln w="12700"/>
+          <a:ln w="12700">
+            <a:solidFill>
+              <a:schemeClr val="tx1"/>
+            </a:solidFill>
+          </a:ln>
         </p:spPr>
         <p:style>
           <a:lnRef idx="1">
@@ -7177,13 +7336,13 @@
   <p:clrMapOvr>
     <a:masterClrMapping/>
   </p:clrMapOvr>
-  <mc:AlternateContent xmlns:mc="http://schemas.openxmlformats.org/markup-compatibility/2006">
-    <mc:Choice xmlns:p14="http://schemas.microsoft.com/office/powerpoint/2010/main" Requires="p14">
+  <mc:AlternateContent xmlns:mc="http://schemas.openxmlformats.org/markup-compatibility/2006" xmlns:p14="http://schemas.microsoft.com/office/powerpoint/2010/main">
+    <mc:Choice Requires="p14">
       <p:transition spd="slow" p14:dur="800">
         <p:circle/>
       </p:transition>
     </mc:Choice>
-    <mc:Fallback>
+    <mc:Fallback xmlns="">
       <p:transition spd="slow">
         <p:circle/>
       </p:transition>
@@ -7324,6 +7483,11 @@
           <a:prstGeom prst="rightBrace">
             <a:avLst/>
           </a:prstGeom>
+          <a:ln w="12700">
+            <a:solidFill>
+              <a:schemeClr val="tx1"/>
+            </a:solidFill>
+          </a:ln>
         </p:spPr>
         <p:style>
           <a:lnRef idx="1">
@@ -7394,13 +7558,13 @@
   <p:clrMapOvr>
     <a:masterClrMapping/>
   </p:clrMapOvr>
-  <mc:AlternateContent xmlns:mc="http://schemas.openxmlformats.org/markup-compatibility/2006">
-    <mc:Choice xmlns:p15="http://schemas.microsoft.com/office/powerpoint/2012/main" Requires="p15">
+  <mc:AlternateContent xmlns:mc="http://schemas.openxmlformats.org/markup-compatibility/2006" xmlns:p15="http://schemas.microsoft.com/office/powerpoint/2012/main">
+    <mc:Choice Requires="p15">
       <p:transition xmlns:p14="http://schemas.microsoft.com/office/powerpoint/2010/main" spd="slow" p14:dur="2000">
         <p15:prstTrans prst="fracture"/>
       </p:transition>
     </mc:Choice>
-    <mc:Fallback>
+    <mc:Fallback xmlns="">
       <p:transition spd="slow">
         <p:fade/>
       </p:transition>
@@ -7448,7 +7612,7 @@
         </p:blipFill>
         <p:spPr>
           <a:xfrm>
-            <a:off x="441208" y="667207"/>
+            <a:off x="1629146" y="667207"/>
             <a:ext cx="4372838" cy="5523585"/>
           </a:xfrm>
           <a:prstGeom prst="rect">
@@ -7470,8 +7634,8 @@
         </p:nvSpPr>
         <p:spPr>
           <a:xfrm>
-            <a:off x="4814045" y="1842247"/>
-            <a:ext cx="605119" cy="1008529"/>
+            <a:off x="6001983" y="1592155"/>
+            <a:ext cx="605119" cy="1200329"/>
           </a:xfrm>
           <a:prstGeom prst="rightBrace">
             <a:avLst>
@@ -7479,6 +7643,11 @@
               <a:gd name="adj2" fmla="val 50000"/>
             </a:avLst>
           </a:prstGeom>
+          <a:ln w="12700">
+            <a:solidFill>
+              <a:schemeClr val="tx1"/>
+            </a:solidFill>
+          </a:ln>
         </p:spPr>
         <p:style>
           <a:lnRef idx="1">
@@ -7517,7 +7686,7 @@
         </p:nvSpPr>
         <p:spPr>
           <a:xfrm>
-            <a:off x="5419164" y="1842247"/>
+            <a:off x="6763410" y="1592154"/>
             <a:ext cx="2985248" cy="1200329"/>
           </a:xfrm>
           <a:prstGeom prst="rect">
@@ -7532,13 +7701,87 @@
           <a:lstStyle/>
           <a:p>
             <a:r>
-              <a:rPr lang="es-ES"/>
+              <a:rPr lang="es-ES" dirty="0"/>
               <a:t>Método para ingresar un nodo, recibiendo como argumentos los datos vistos antes</a:t>
             </a:r>
             <a:endParaRPr lang="es-CO" dirty="0"/>
           </a:p>
         </p:txBody>
       </p:sp>
+      <p:cxnSp>
+        <p:nvCxnSpPr>
+          <p:cNvPr id="6" name="Conector: angular 5">
+            <a:extLst>
+              <a:ext uri="{FF2B5EF4-FFF2-40B4-BE49-F238E27FC236}">
+                <a16:creationId xmlns:a16="http://schemas.microsoft.com/office/drawing/2014/main" id="{0BA5CBD6-0676-4BE0-ACF1-DB6FDAB0ADFC}"/>
+              </a:ext>
+            </a:extLst>
+          </p:cNvPr>
+          <p:cNvCxnSpPr>
+            <a:cxnSpLocks/>
+          </p:cNvCxnSpPr>
+          <p:nvPr/>
+        </p:nvCxnSpPr>
+        <p:spPr>
+          <a:xfrm flipV="1">
+            <a:off x="6142892" y="4626708"/>
+            <a:ext cx="1266092" cy="1023816"/>
+          </a:xfrm>
+          <a:prstGeom prst="bentConnector3">
+            <a:avLst/>
+          </a:prstGeom>
+          <a:ln w="12700">
+            <a:solidFill>
+              <a:schemeClr val="tx1"/>
+            </a:solidFill>
+            <a:tailEnd type="triangle"/>
+          </a:ln>
+        </p:spPr>
+        <p:style>
+          <a:lnRef idx="1">
+            <a:schemeClr val="accent1"/>
+          </a:lnRef>
+          <a:fillRef idx="0">
+            <a:schemeClr val="accent1"/>
+          </a:fillRef>
+          <a:effectRef idx="0">
+            <a:schemeClr val="accent1"/>
+          </a:effectRef>
+          <a:fontRef idx="minor">
+            <a:schemeClr val="tx1"/>
+          </a:fontRef>
+        </p:style>
+      </p:cxnSp>
+      <p:pic>
+        <p:nvPicPr>
+          <p:cNvPr id="9" name="Imagen 8">
+            <a:extLst>
+              <a:ext uri="{FF2B5EF4-FFF2-40B4-BE49-F238E27FC236}">
+                <a16:creationId xmlns:a16="http://schemas.microsoft.com/office/drawing/2014/main" id="{D1C6FE27-4218-484B-9A6E-08395D12EBA7}"/>
+              </a:ext>
+            </a:extLst>
+          </p:cNvPr>
+          <p:cNvPicPr>
+            <a:picLocks noChangeAspect="1"/>
+          </p:cNvPicPr>
+          <p:nvPr/>
+        </p:nvPicPr>
+        <p:blipFill>
+          <a:blip r:embed="rId3"/>
+          <a:stretch>
+            <a:fillRect/>
+          </a:stretch>
+        </p:blipFill>
+        <p:spPr>
+          <a:xfrm>
+            <a:off x="7917961" y="3404314"/>
+            <a:ext cx="1546470" cy="2444787"/>
+          </a:xfrm>
+          <a:prstGeom prst="rect">
+            <a:avLst/>
+          </a:prstGeom>
+        </p:spPr>
+      </p:pic>
     </p:spTree>
     <p:extLst>
       <p:ext uri="{BB962C8B-B14F-4D97-AF65-F5344CB8AC3E}">
@@ -7549,13 +7792,13 @@
   <p:clrMapOvr>
     <a:masterClrMapping/>
   </p:clrMapOvr>
-  <mc:AlternateContent xmlns:mc="http://schemas.openxmlformats.org/markup-compatibility/2006">
-    <mc:Choice xmlns:p14="http://schemas.microsoft.com/office/powerpoint/2010/main" Requires="p14">
+  <mc:AlternateContent xmlns:mc="http://schemas.openxmlformats.org/markup-compatibility/2006" xmlns:p14="http://schemas.microsoft.com/office/powerpoint/2010/main">
+    <mc:Choice Requires="p14">
       <p:transition spd="slow" p14:dur="1300">
         <p14:pan dir="u"/>
       </p:transition>
     </mc:Choice>
-    <mc:Fallback>
+    <mc:Fallback xmlns="">
       <p:transition spd="slow">
         <p:fade/>
       </p:transition>
@@ -7624,8 +7867,8 @@
         </p:nvSpPr>
         <p:spPr>
           <a:xfrm>
-            <a:off x="954741" y="1452282"/>
-            <a:ext cx="5836024" cy="646331"/>
+            <a:off x="693001" y="1329599"/>
+            <a:ext cx="7778874" cy="369332"/>
           </a:xfrm>
           <a:prstGeom prst="rect">
             <a:avLst/>
@@ -7668,8 +7911,8 @@
         </p:blipFill>
         <p:spPr>
           <a:xfrm>
-            <a:off x="1369088" y="2098613"/>
-            <a:ext cx="3010994" cy="4095838"/>
+            <a:off x="1188712" y="2064079"/>
+            <a:ext cx="3191370" cy="4341203"/>
           </a:xfrm>
           <a:prstGeom prst="rect">
             <a:avLst/>
@@ -7696,6 +7939,11 @@
           <a:prstGeom prst="rightBrace">
             <a:avLst/>
           </a:prstGeom>
+          <a:ln w="12700">
+            <a:solidFill>
+              <a:schemeClr val="tx1"/>
+            </a:solidFill>
+          </a:ln>
         </p:spPr>
         <p:style>
           <a:lnRef idx="1">
@@ -7734,8 +7982,8 @@
         </p:nvSpPr>
         <p:spPr>
           <a:xfrm>
-            <a:off x="4683191" y="2098613"/>
-            <a:ext cx="3277467" cy="646331"/>
+            <a:off x="4792607" y="2159311"/>
+            <a:ext cx="6469363" cy="369332"/>
           </a:xfrm>
           <a:prstGeom prst="rect">
             <a:avLst/>
@@ -7753,6 +8001,201 @@
               <a:t>Los países representan los vértices y las rutas las aristas</a:t>
             </a:r>
             <a:endParaRPr lang="es-CO" dirty="0"/>
+          </a:p>
+        </p:txBody>
+      </p:sp>
+      <p:sp>
+        <p:nvSpPr>
+          <p:cNvPr id="4" name="Cerrar llave 3">
+            <a:extLst>
+              <a:ext uri="{FF2B5EF4-FFF2-40B4-BE49-F238E27FC236}">
+                <a16:creationId xmlns:a16="http://schemas.microsoft.com/office/drawing/2014/main" id="{FFCCBB48-F541-4E85-B6C0-6C09D3EFA315}"/>
+              </a:ext>
+            </a:extLst>
+          </p:cNvPr>
+          <p:cNvSpPr/>
+          <p:nvPr/>
+        </p:nvSpPr>
+        <p:spPr>
+          <a:xfrm>
+            <a:off x="4380082" y="3429000"/>
+            <a:ext cx="303110" cy="1268046"/>
+          </a:xfrm>
+          <a:prstGeom prst="rightBrace">
+            <a:avLst/>
+          </a:prstGeom>
+          <a:ln w="12700">
+            <a:solidFill>
+              <a:schemeClr val="tx1"/>
+            </a:solidFill>
+          </a:ln>
+        </p:spPr>
+        <p:style>
+          <a:lnRef idx="1">
+            <a:schemeClr val="accent1"/>
+          </a:lnRef>
+          <a:fillRef idx="0">
+            <a:schemeClr val="accent1"/>
+          </a:fillRef>
+          <a:effectRef idx="0">
+            <a:schemeClr val="accent1"/>
+          </a:effectRef>
+          <a:fontRef idx="minor">
+            <a:schemeClr val="tx1"/>
+          </a:fontRef>
+        </p:style>
+        <p:txBody>
+          <a:bodyPr rtlCol="0" anchor="ctr"/>
+          <a:lstStyle/>
+          <a:p>
+            <a:pPr algn="ctr"/>
+            <a:endParaRPr lang="es-CO"/>
+          </a:p>
+        </p:txBody>
+      </p:sp>
+      <p:sp>
+        <p:nvSpPr>
+          <p:cNvPr id="7" name="CuadroTexto 6">
+            <a:extLst>
+              <a:ext uri="{FF2B5EF4-FFF2-40B4-BE49-F238E27FC236}">
+                <a16:creationId xmlns:a16="http://schemas.microsoft.com/office/drawing/2014/main" id="{2FA7FABF-0829-4F41-AEC0-C2DEAAA2D3DC}"/>
+              </a:ext>
+            </a:extLst>
+          </p:cNvPr>
+          <p:cNvSpPr txBox="1"/>
+          <p:nvPr/>
+        </p:nvSpPr>
+        <p:spPr>
+          <a:xfrm>
+            <a:off x="4792607" y="3462858"/>
+            <a:ext cx="5413661" cy="1200329"/>
+          </a:xfrm>
+          <a:prstGeom prst="rect">
+            <a:avLst/>
+          </a:prstGeom>
+          <a:noFill/>
+        </p:spPr>
+        <p:txBody>
+          <a:bodyPr wrap="none" rtlCol="0">
+            <a:spAutoFit/>
+          </a:bodyPr>
+          <a:lstStyle/>
+          <a:p>
+            <a:r>
+              <a:rPr lang="es-CO" dirty="0" err="1"/>
+              <a:t>agregarPaises</a:t>
+            </a:r>
+            <a:r>
+              <a:rPr lang="es-CO" dirty="0"/>
+              <a:t> crea un vértice con un país y </a:t>
+            </a:r>
+          </a:p>
+          <a:p>
+            <a:r>
+              <a:rPr lang="es-CO" dirty="0" err="1"/>
+              <a:t>agregarRutas</a:t>
+            </a:r>
+            <a:r>
+              <a:rPr lang="es-CO" dirty="0"/>
+              <a:t> crea las conexiones entre dos </a:t>
+            </a:r>
+          </a:p>
+          <a:p>
+            <a:r>
+              <a:rPr lang="es-CO" dirty="0"/>
+              <a:t>países, que serian las rutas de viaje que ofrece</a:t>
+            </a:r>
+          </a:p>
+          <a:p>
+            <a:r>
+              <a:rPr lang="es-CO" dirty="0"/>
+              <a:t>el aeropuerto  </a:t>
+            </a:r>
+          </a:p>
+        </p:txBody>
+      </p:sp>
+      <p:cxnSp>
+        <p:nvCxnSpPr>
+          <p:cNvPr id="10" name="Conector recto de flecha 9">
+            <a:extLst>
+              <a:ext uri="{FF2B5EF4-FFF2-40B4-BE49-F238E27FC236}">
+                <a16:creationId xmlns:a16="http://schemas.microsoft.com/office/drawing/2014/main" id="{B5CF33CC-2A8D-4E06-BFFB-142BE05B7090}"/>
+              </a:ext>
+            </a:extLst>
+          </p:cNvPr>
+          <p:cNvCxnSpPr/>
+          <p:nvPr/>
+        </p:nvCxnSpPr>
+        <p:spPr>
+          <a:xfrm>
+            <a:off x="4531637" y="5494215"/>
+            <a:ext cx="540548" cy="0"/>
+          </a:xfrm>
+          <a:prstGeom prst="straightConnector1">
+            <a:avLst/>
+          </a:prstGeom>
+          <a:ln w="12700">
+            <a:solidFill>
+              <a:schemeClr val="tx1"/>
+            </a:solidFill>
+            <a:tailEnd type="triangle"/>
+          </a:ln>
+        </p:spPr>
+        <p:style>
+          <a:lnRef idx="1">
+            <a:schemeClr val="accent1"/>
+          </a:lnRef>
+          <a:fillRef idx="0">
+            <a:schemeClr val="accent1"/>
+          </a:fillRef>
+          <a:effectRef idx="0">
+            <a:schemeClr val="accent1"/>
+          </a:effectRef>
+          <a:fontRef idx="minor">
+            <a:schemeClr val="tx1"/>
+          </a:fontRef>
+        </p:style>
+      </p:cxnSp>
+      <p:sp>
+        <p:nvSpPr>
+          <p:cNvPr id="11" name="CuadroTexto 10">
+            <a:extLst>
+              <a:ext uri="{FF2B5EF4-FFF2-40B4-BE49-F238E27FC236}">
+                <a16:creationId xmlns:a16="http://schemas.microsoft.com/office/drawing/2014/main" id="{6DB76003-77A4-42CD-9C01-B05FB7D8DA8E}"/>
+              </a:ext>
+            </a:extLst>
+          </p:cNvPr>
+          <p:cNvSpPr txBox="1"/>
+          <p:nvPr/>
+        </p:nvSpPr>
+        <p:spPr>
+          <a:xfrm>
+            <a:off x="5072185" y="5309549"/>
+            <a:ext cx="5564344" cy="369332"/>
+          </a:xfrm>
+          <a:prstGeom prst="rect">
+            <a:avLst/>
+          </a:prstGeom>
+          <a:noFill/>
+        </p:spPr>
+        <p:txBody>
+          <a:bodyPr wrap="none" rtlCol="0">
+            <a:spAutoFit/>
+          </a:bodyPr>
+          <a:lstStyle/>
+          <a:p>
+            <a:r>
+              <a:rPr lang="es-CO" dirty="0"/>
+              <a:t>Recorre los </a:t>
+            </a:r>
+            <a:r>
+              <a:rPr lang="es-CO" dirty="0" err="1"/>
+              <a:t>arrays</a:t>
+            </a:r>
+            <a:r>
+              <a:rPr lang="es-CO" dirty="0"/>
+              <a:t> de países y rutas y los muestra</a:t>
+            </a:r>
           </a:p>
         </p:txBody>
       </p:sp>
@@ -7766,13 +8209,13 @@
   <p:clrMapOvr>
     <a:masterClrMapping/>
   </p:clrMapOvr>
-  <mc:AlternateContent xmlns:mc="http://schemas.openxmlformats.org/markup-compatibility/2006">
-    <mc:Choice xmlns:p14="http://schemas.microsoft.com/office/powerpoint/2010/main" Requires="p14">
+  <mc:AlternateContent xmlns:mc="http://schemas.openxmlformats.org/markup-compatibility/2006" xmlns:p14="http://schemas.microsoft.com/office/powerpoint/2010/main">
+    <mc:Choice Requires="p14">
       <p:transition spd="slow" p14:dur="1400">
         <p14:ripple/>
       </p:transition>
     </mc:Choice>
-    <mc:Fallback>
+    <mc:Fallback xmlns="">
       <p:transition spd="slow">
         <p:fade/>
       </p:transition>
@@ -7798,12 +8241,82 @@
           <a:chExt cx="0" cy="0"/>
         </a:xfrm>
       </p:grpSpPr>
+      <p:sp>
+        <p:nvSpPr>
+          <p:cNvPr id="2" name="Título 1">
+            <a:extLst>
+              <a:ext uri="{FF2B5EF4-FFF2-40B4-BE49-F238E27FC236}">
+                <a16:creationId xmlns:a16="http://schemas.microsoft.com/office/drawing/2014/main" id="{7A31A50B-0D73-460D-99CE-ABBEC9F80D09}"/>
+              </a:ext>
+            </a:extLst>
+          </p:cNvPr>
+          <p:cNvSpPr>
+            <a:spLocks noGrp="1"/>
+          </p:cNvSpPr>
+          <p:nvPr>
+            <p:ph type="title"/>
+          </p:nvPr>
+        </p:nvSpPr>
+        <p:spPr>
+          <a:xfrm>
+            <a:off x="982169" y="773146"/>
+            <a:ext cx="9404723" cy="1400530"/>
+          </a:xfrm>
+        </p:spPr>
+        <p:txBody>
+          <a:bodyPr/>
+          <a:lstStyle/>
+          <a:p>
+            <a:r>
+              <a:rPr lang="es-ES" dirty="0"/>
+              <a:t>Arboles</a:t>
+            </a:r>
+            <a:endParaRPr lang="es-CO" dirty="0"/>
+          </a:p>
+        </p:txBody>
+      </p:sp>
+      <p:sp>
+        <p:nvSpPr>
+          <p:cNvPr id="3" name="CuadroTexto 2">
+            <a:extLst>
+              <a:ext uri="{FF2B5EF4-FFF2-40B4-BE49-F238E27FC236}">
+                <a16:creationId xmlns:a16="http://schemas.microsoft.com/office/drawing/2014/main" id="{7C39FD63-970B-4784-B8EA-A18AC9CC598C}"/>
+              </a:ext>
+            </a:extLst>
+          </p:cNvPr>
+          <p:cNvSpPr txBox="1"/>
+          <p:nvPr/>
+        </p:nvSpPr>
+        <p:spPr>
+          <a:xfrm>
+            <a:off x="982169" y="1624793"/>
+            <a:ext cx="7263058" cy="646331"/>
+          </a:xfrm>
+          <a:prstGeom prst="rect">
+            <a:avLst/>
+          </a:prstGeom>
+          <a:noFill/>
+        </p:spPr>
+        <p:txBody>
+          <a:bodyPr wrap="square" rtlCol="0">
+            <a:spAutoFit/>
+          </a:bodyPr>
+          <a:lstStyle/>
+          <a:p>
+            <a:r>
+              <a:rPr lang="es-ES" dirty="0"/>
+              <a:t>Representa la estructura básica del aeropuerto, teniendo en cuenta el nivel al que pertenezca</a:t>
+            </a:r>
+            <a:endParaRPr lang="es-CO" dirty="0"/>
+          </a:p>
+        </p:txBody>
+      </p:sp>
       <p:pic>
         <p:nvPicPr>
-          <p:cNvPr id="4" name="Imagen 3">
+          <p:cNvPr id="5" name="Imagen 4">
             <a:extLst>
               <a:ext uri="{FF2B5EF4-FFF2-40B4-BE49-F238E27FC236}">
-                <a16:creationId xmlns:a16="http://schemas.microsoft.com/office/drawing/2014/main" id="{E2AF9F26-092C-4D3D-9288-A25CA2B69C6F}"/>
+                <a16:creationId xmlns:a16="http://schemas.microsoft.com/office/drawing/2014/main" id="{30803AD1-86FC-4BFE-BE16-373DC53EC514}"/>
               </a:ext>
             </a:extLst>
           </p:cNvPr>
@@ -7820,31 +8333,124 @@
         </p:blipFill>
         <p:spPr>
           <a:xfrm>
-            <a:off x="1057278" y="774974"/>
-            <a:ext cx="3972479" cy="2753109"/>
+            <a:off x="1681393" y="2744400"/>
+            <a:ext cx="3019846" cy="2010056"/>
           </a:xfrm>
           <a:prstGeom prst="rect">
             <a:avLst/>
           </a:prstGeom>
         </p:spPr>
       </p:pic>
+      <p:sp>
+        <p:nvSpPr>
+          <p:cNvPr id="6" name="Cerrar llave 5">
+            <a:extLst>
+              <a:ext uri="{FF2B5EF4-FFF2-40B4-BE49-F238E27FC236}">
+                <a16:creationId xmlns:a16="http://schemas.microsoft.com/office/drawing/2014/main" id="{E6A08237-0AD5-4FA9-B978-62FF3C4BACC1}"/>
+              </a:ext>
+            </a:extLst>
+          </p:cNvPr>
+          <p:cNvSpPr/>
+          <p:nvPr/>
+        </p:nvSpPr>
+        <p:spPr>
+          <a:xfrm>
+            <a:off x="4701240" y="2823617"/>
+            <a:ext cx="271100" cy="1873426"/>
+          </a:xfrm>
+          <a:prstGeom prst="rightBrace">
+            <a:avLst/>
+          </a:prstGeom>
+          <a:ln w="12700">
+            <a:solidFill>
+              <a:schemeClr val="tx1"/>
+            </a:solidFill>
+          </a:ln>
+        </p:spPr>
+        <p:style>
+          <a:lnRef idx="1">
+            <a:schemeClr val="accent1"/>
+          </a:lnRef>
+          <a:fillRef idx="0">
+            <a:schemeClr val="accent1"/>
+          </a:fillRef>
+          <a:effectRef idx="0">
+            <a:schemeClr val="accent1"/>
+          </a:effectRef>
+          <a:fontRef idx="minor">
+            <a:schemeClr val="tx1"/>
+          </a:fontRef>
+        </p:style>
+        <p:txBody>
+          <a:bodyPr rtlCol="0" anchor="ctr"/>
+          <a:lstStyle/>
+          <a:p>
+            <a:pPr algn="ctr"/>
+            <a:endParaRPr lang="es-CO"/>
+          </a:p>
+        </p:txBody>
+      </p:sp>
+      <p:sp>
+        <p:nvSpPr>
+          <p:cNvPr id="7" name="CuadroTexto 6">
+            <a:extLst>
+              <a:ext uri="{FF2B5EF4-FFF2-40B4-BE49-F238E27FC236}">
+                <a16:creationId xmlns:a16="http://schemas.microsoft.com/office/drawing/2014/main" id="{FFA25002-9991-4FB9-9EC6-676813B6273B}"/>
+              </a:ext>
+            </a:extLst>
+          </p:cNvPr>
+          <p:cNvSpPr txBox="1"/>
+          <p:nvPr/>
+        </p:nvSpPr>
+        <p:spPr>
+          <a:xfrm>
+            <a:off x="5152094" y="3025323"/>
+            <a:ext cx="2803536" cy="1477328"/>
+          </a:xfrm>
+          <a:prstGeom prst="rect">
+            <a:avLst/>
+          </a:prstGeom>
+          <a:noFill/>
+        </p:spPr>
+        <p:txBody>
+          <a:bodyPr wrap="square" rtlCol="0">
+            <a:spAutoFit/>
+          </a:bodyPr>
+          <a:lstStyle/>
+          <a:p>
+            <a:r>
+              <a:rPr lang="es-ES" dirty="0"/>
+              <a:t>La clase </a:t>
+            </a:r>
+            <a:r>
+              <a:rPr lang="es-ES" dirty="0" err="1"/>
+              <a:t>nodoArbol</a:t>
+            </a:r>
+            <a:r>
+              <a:rPr lang="es-ES" dirty="0"/>
+              <a:t> representa cada nodo que tiene como máximo dos hijos (árbol binario).</a:t>
+            </a:r>
+            <a:endParaRPr lang="es-CO" dirty="0"/>
+          </a:p>
+        </p:txBody>
+      </p:sp>
     </p:spTree>
     <p:extLst>
       <p:ext uri="{BB962C8B-B14F-4D97-AF65-F5344CB8AC3E}">
-        <p14:creationId xmlns:p14="http://schemas.microsoft.com/office/powerpoint/2010/main" val="1234547718"/>
+        <p14:creationId xmlns:p14="http://schemas.microsoft.com/office/powerpoint/2010/main" val="2437266423"/>
       </p:ext>
     </p:extLst>
   </p:cSld>
   <p:clrMapOvr>
     <a:masterClrMapping/>
   </p:clrMapOvr>
-  <mc:AlternateContent xmlns:mc="http://schemas.openxmlformats.org/markup-compatibility/2006">
-    <mc:Choice xmlns:p14="http://schemas.microsoft.com/office/powerpoint/2010/main" Requires="p14">
-      <p:transition spd="slow" p14:dur="3000">
-        <p14:shred/>
+  <mc:AlternateContent xmlns:mc="http://schemas.openxmlformats.org/markup-compatibility/2006" xmlns:p14="http://schemas.microsoft.com/office/powerpoint/2010/main">
+    <mc:Choice Requires="p14">
+      <p:transition spd="slow" p14:dur="1250">
+        <p14:flip dir="r"/>
       </p:transition>
     </mc:Choice>
-    <mc:Fallback>
+    <mc:Fallback xmlns="">
       <p:transition spd="slow">
         <p:fade/>
       </p:transition>
